--- a/results/figures/pptx/eq5d5l_mobility.pptx
+++ b/results/figures/pptx/eq5d5l_mobility.pptx
@@ -2265,100 +2265,14 @@
         </p:sp>
         <p:sp>
           <p:nvSpPr>
-            <p:cNvPr id="4" name="pl4"/>
-            <p:cNvSpPr/>
-            <p:nvPr/>
-          </p:nvSpPr>
-          <p:spPr>
-            <a:xfrm>
-              <a:off x="2239637" y="1938121"/>
-              <a:ext cx="0" cy="3033069"/>
-            </a:xfrm>
-            <a:custGeom>
-              <a:avLst/>
-              <a:pathLst>
-                <a:path w="0" h="3033069">
-                  <a:moveTo>
-                    <a:pt x="0" y="3033069"/>
-                  </a:moveTo>
-                  <a:lnTo>
-                    <a:pt x="0" y="0"/>
-                  </a:lnTo>
-                  <a:lnTo>
-                    <a:pt x="0" y="0"/>
-                  </a:lnTo>
-                </a:path>
-              </a:pathLst>
-            </a:custGeom>
-            <a:ln w="13550" cap="flat">
-              <a:solidFill>
-                <a:srgbClr val="D3D3D3">
-                  <a:alpha val="100000"/>
-                </a:srgbClr>
-              </a:solidFill>
-              <a:prstDash val="solid"/>
-              <a:round/>
-            </a:ln>
-          </p:spPr>
-          <p:txBody>
-            <a:bodyPr/>
-            <a:lstStyle/>
-            <a:p/>
-          </p:txBody>
-        </p:sp>
-        <p:sp>
-          <p:nvSpPr>
-            <p:cNvPr id="5" name="pl5"/>
-            <p:cNvSpPr/>
-            <p:nvPr/>
-          </p:nvSpPr>
-          <p:spPr>
-            <a:xfrm>
-              <a:off x="3927759" y="1938121"/>
-              <a:ext cx="0" cy="3033069"/>
-            </a:xfrm>
-            <a:custGeom>
-              <a:avLst/>
-              <a:pathLst>
-                <a:path w="0" h="3033069">
-                  <a:moveTo>
-                    <a:pt x="0" y="3033069"/>
-                  </a:moveTo>
-                  <a:lnTo>
-                    <a:pt x="0" y="0"/>
-                  </a:lnTo>
-                  <a:lnTo>
-                    <a:pt x="0" y="0"/>
-                  </a:lnTo>
-                </a:path>
-              </a:pathLst>
-            </a:custGeom>
-            <a:ln w="13550" cap="flat">
-              <a:solidFill>
-                <a:srgbClr val="D3D3D3">
-                  <a:alpha val="100000"/>
-                </a:srgbClr>
-              </a:solidFill>
-              <a:prstDash val="solid"/>
-              <a:round/>
-            </a:ln>
-          </p:spPr>
-          <p:txBody>
-            <a:bodyPr/>
-            <a:lstStyle/>
-            <a:p/>
-          </p:txBody>
-        </p:sp>
-        <p:sp>
-          <p:nvSpPr>
-            <p:cNvPr id="6" name="rc6"/>
-            <p:cNvSpPr/>
-            <p:nvPr/>
-          </p:nvSpPr>
-          <p:spPr>
-            <a:xfrm>
-              <a:off x="1479983" y="2075988"/>
-              <a:ext cx="1519309" cy="2620447"/>
+            <p:cNvPr id="4" name="rc4"/>
+            <p:cNvSpPr/>
+            <p:nvPr/>
+          </p:nvSpPr>
+          <p:spPr>
+            <a:xfrm>
+              <a:off x="1353714" y="2133433"/>
+              <a:ext cx="1574744" cy="2565854"/>
             </a:xfrm>
             <a:prstGeom prst="rect">
               <a:avLst/>
@@ -2377,14 +2291,14 @@
         </p:sp>
         <p:sp>
           <p:nvSpPr>
-            <p:cNvPr id="7" name="rc7"/>
-            <p:cNvSpPr/>
-            <p:nvPr/>
-          </p:nvSpPr>
-          <p:spPr>
-            <a:xfrm>
-              <a:off x="1479983" y="4696435"/>
-              <a:ext cx="1519309" cy="117333"/>
+            <p:cNvPr id="5" name="rc5"/>
+            <p:cNvSpPr/>
+            <p:nvPr/>
+          </p:nvSpPr>
+          <p:spPr>
+            <a:xfrm>
+              <a:off x="1353714" y="4699287"/>
+              <a:ext cx="1574744" cy="114889"/>
             </a:xfrm>
             <a:prstGeom prst="rect">
               <a:avLst/>
@@ -2403,14 +2317,14 @@
         </p:sp>
         <p:sp>
           <p:nvSpPr>
-            <p:cNvPr id="8" name="rc8"/>
-            <p:cNvSpPr/>
-            <p:nvPr/>
-          </p:nvSpPr>
-          <p:spPr>
-            <a:xfrm>
-              <a:off x="1479983" y="4813769"/>
-              <a:ext cx="1519309" cy="19555"/>
+            <p:cNvPr id="6" name="rc6"/>
+            <p:cNvSpPr/>
+            <p:nvPr/>
+          </p:nvSpPr>
+          <p:spPr>
+            <a:xfrm>
+              <a:off x="1353714" y="4814176"/>
+              <a:ext cx="1574744" cy="19148"/>
             </a:xfrm>
             <a:prstGeom prst="rect">
               <a:avLst/>
@@ -2429,14 +2343,14 @@
         </p:sp>
         <p:sp>
           <p:nvSpPr>
-            <p:cNvPr id="9" name="rc9"/>
-            <p:cNvSpPr/>
-            <p:nvPr/>
-          </p:nvSpPr>
-          <p:spPr>
-            <a:xfrm>
-              <a:off x="3168104" y="2075988"/>
-              <a:ext cx="1519309" cy="1665890"/>
+            <p:cNvPr id="7" name="rc7"/>
+            <p:cNvSpPr/>
+            <p:nvPr/>
+          </p:nvSpPr>
+          <p:spPr>
+            <a:xfrm>
+              <a:off x="3103430" y="2075988"/>
+              <a:ext cx="1574744" cy="1665890"/>
             </a:xfrm>
             <a:prstGeom prst="rect">
               <a:avLst/>
@@ -2455,14 +2369,14 @@
         </p:sp>
         <p:sp>
           <p:nvSpPr>
-            <p:cNvPr id="10" name="rc10"/>
-            <p:cNvSpPr/>
-            <p:nvPr/>
-          </p:nvSpPr>
-          <p:spPr>
-            <a:xfrm>
-              <a:off x="3168104" y="3741879"/>
-              <a:ext cx="1519309" cy="689334"/>
+            <p:cNvPr id="8" name="rc8"/>
+            <p:cNvSpPr/>
+            <p:nvPr/>
+          </p:nvSpPr>
+          <p:spPr>
+            <a:xfrm>
+              <a:off x="3103430" y="3741879"/>
+              <a:ext cx="1574744" cy="689334"/>
             </a:xfrm>
             <a:prstGeom prst="rect">
               <a:avLst/>
@@ -2481,14 +2395,14 @@
         </p:sp>
         <p:sp>
           <p:nvSpPr>
-            <p:cNvPr id="11" name="rc11"/>
-            <p:cNvSpPr/>
-            <p:nvPr/>
-          </p:nvSpPr>
-          <p:spPr>
-            <a:xfrm>
-              <a:off x="3168104" y="4431213"/>
-              <a:ext cx="1519309" cy="229778"/>
+            <p:cNvPr id="9" name="rc9"/>
+            <p:cNvSpPr/>
+            <p:nvPr/>
+          </p:nvSpPr>
+          <p:spPr>
+            <a:xfrm>
+              <a:off x="3103430" y="4431213"/>
+              <a:ext cx="1574744" cy="229778"/>
             </a:xfrm>
             <a:prstGeom prst="rect">
               <a:avLst/>
@@ -2507,14 +2421,14 @@
         </p:sp>
         <p:sp>
           <p:nvSpPr>
-            <p:cNvPr id="12" name="rc12"/>
-            <p:cNvSpPr/>
-            <p:nvPr/>
-          </p:nvSpPr>
-          <p:spPr>
-            <a:xfrm>
-              <a:off x="3168104" y="4660991"/>
-              <a:ext cx="1519309" cy="153185"/>
+            <p:cNvPr id="10" name="rc10"/>
+            <p:cNvSpPr/>
+            <p:nvPr/>
+          </p:nvSpPr>
+          <p:spPr>
+            <a:xfrm>
+              <a:off x="3103430" y="4660991"/>
+              <a:ext cx="1574744" cy="153185"/>
             </a:xfrm>
             <a:prstGeom prst="rect">
               <a:avLst/>
@@ -2533,14 +2447,14 @@
         </p:sp>
         <p:sp>
           <p:nvSpPr>
-            <p:cNvPr id="13" name="rc13"/>
-            <p:cNvSpPr/>
-            <p:nvPr/>
-          </p:nvSpPr>
-          <p:spPr>
-            <a:xfrm>
-              <a:off x="3168104" y="4814176"/>
-              <a:ext cx="1519309" cy="19148"/>
+            <p:cNvPr id="11" name="rc11"/>
+            <p:cNvSpPr/>
+            <p:nvPr/>
+          </p:nvSpPr>
+          <p:spPr>
+            <a:xfrm>
+              <a:off x="3103430" y="4814176"/>
+              <a:ext cx="1574744" cy="19148"/>
             </a:xfrm>
             <a:prstGeom prst="rect">
               <a:avLst/>
@@ -2559,13 +2473,381 @@
         </p:sp>
         <p:sp>
           <p:nvSpPr>
-            <p:cNvPr id="14" name="pl14"/>
-            <p:cNvSpPr/>
-            <p:nvPr/>
-          </p:nvSpPr>
-          <p:spPr>
-            <a:xfrm>
-              <a:off x="1226764" y="1938121"/>
+            <p:cNvPr id="12" name="tx12"/>
+            <p:cNvSpPr/>
+            <p:nvPr/>
+          </p:nvSpPr>
+          <p:spPr>
+            <a:xfrm>
+              <a:off x="1996440" y="3359052"/>
+              <a:ext cx="289291" cy="109040"/>
+            </a:xfrm>
+            <a:prstGeom prst="rect">
+              <a:avLst/>
+            </a:prstGeom>
+            <a:noFill/>
+          </p:spPr>
+          <p:txBody>
+            <a:bodyPr lIns="0" rIns="0" tIns="0" bIns="0" anchorCtr="1" anchor="ctr" wrap="none"/>
+            <a:lstStyle/>
+            <a:p>
+              <a:pPr algn="l" marL="0" marR="0" indent="0">
+                <a:lnSpc>
+                  <a:spcPts val="1138"/>
+                </a:lnSpc>
+                <a:spcBef>
+                  <a:spcPts val="0"/>
+                </a:spcBef>
+                <a:spcAft>
+                  <a:spcPts val="0"/>
+                </a:spcAft>
+              </a:pPr>
+              <a:r>
+                <a:rPr sz="1138">
+                  <a:solidFill>
+                    <a:srgbClr val="000000">
+                      <a:alpha val="100000"/>
+                    </a:srgbClr>
+                  </a:solidFill>
+                  <a:latin typeface="Arial"/>
+                  <a:cs typeface="Arial"/>
+                </a:rPr>
+                <a:t>95%</a:t>
+              </a:r>
+            </a:p>
+          </p:txBody>
+        </p:sp>
+        <p:sp>
+          <p:nvSpPr>
+            <p:cNvPr id="13" name="tx13"/>
+            <p:cNvSpPr/>
+            <p:nvPr/>
+          </p:nvSpPr>
+          <p:spPr>
+            <a:xfrm>
+              <a:off x="2016554" y="4699424"/>
+              <a:ext cx="249063" cy="109040"/>
+            </a:xfrm>
+            <a:prstGeom prst="rect">
+              <a:avLst/>
+            </a:prstGeom>
+            <a:noFill/>
+          </p:spPr>
+          <p:txBody>
+            <a:bodyPr lIns="0" rIns="0" tIns="0" bIns="0" anchorCtr="1" anchor="ctr" wrap="none"/>
+            <a:lstStyle/>
+            <a:p>
+              <a:pPr algn="l" marL="0" marR="0" indent="0">
+                <a:lnSpc>
+                  <a:spcPts val="1138"/>
+                </a:lnSpc>
+                <a:spcBef>
+                  <a:spcPts val="0"/>
+                </a:spcBef>
+                <a:spcAft>
+                  <a:spcPts val="0"/>
+                </a:spcAft>
+              </a:pPr>
+              <a:r>
+                <a:rPr sz="1138">
+                  <a:solidFill>
+                    <a:srgbClr val="000000">
+                      <a:alpha val="100000"/>
+                    </a:srgbClr>
+                  </a:solidFill>
+                  <a:latin typeface="Arial"/>
+                  <a:cs typeface="Arial"/>
+                </a:rPr>
+                <a:t> 4%</a:t>
+              </a:r>
+            </a:p>
+          </p:txBody>
+        </p:sp>
+        <p:sp>
+          <p:nvSpPr>
+            <p:cNvPr id="14" name="tx14"/>
+            <p:cNvSpPr/>
+            <p:nvPr/>
+          </p:nvSpPr>
+          <p:spPr>
+            <a:xfrm>
+              <a:off x="2016554" y="4766442"/>
+              <a:ext cx="249063" cy="109040"/>
+            </a:xfrm>
+            <a:prstGeom prst="rect">
+              <a:avLst/>
+            </a:prstGeom>
+            <a:noFill/>
+          </p:spPr>
+          <p:txBody>
+            <a:bodyPr lIns="0" rIns="0" tIns="0" bIns="0" anchorCtr="1" anchor="ctr" wrap="none"/>
+            <a:lstStyle/>
+            <a:p>
+              <a:pPr algn="l" marL="0" marR="0" indent="0">
+                <a:lnSpc>
+                  <a:spcPts val="1138"/>
+                </a:lnSpc>
+                <a:spcBef>
+                  <a:spcPts val="0"/>
+                </a:spcBef>
+                <a:spcAft>
+                  <a:spcPts val="0"/>
+                </a:spcAft>
+              </a:pPr>
+              <a:r>
+                <a:rPr sz="1138">
+                  <a:solidFill>
+                    <a:srgbClr val="000000">
+                      <a:alpha val="100000"/>
+                    </a:srgbClr>
+                  </a:solidFill>
+                  <a:latin typeface="Arial"/>
+                  <a:cs typeface="Arial"/>
+                </a:rPr>
+                <a:t> 1%</a:t>
+              </a:r>
+            </a:p>
+          </p:txBody>
+        </p:sp>
+        <p:sp>
+          <p:nvSpPr>
+            <p:cNvPr id="15" name="tx15"/>
+            <p:cNvSpPr/>
+            <p:nvPr/>
+          </p:nvSpPr>
+          <p:spPr>
+            <a:xfrm>
+              <a:off x="3746156" y="2851625"/>
+              <a:ext cx="289291" cy="109040"/>
+            </a:xfrm>
+            <a:prstGeom prst="rect">
+              <a:avLst/>
+            </a:prstGeom>
+            <a:noFill/>
+          </p:spPr>
+          <p:txBody>
+            <a:bodyPr lIns="0" rIns="0" tIns="0" bIns="0" anchorCtr="1" anchor="ctr" wrap="none"/>
+            <a:lstStyle/>
+            <a:p>
+              <a:pPr algn="l" marL="0" marR="0" indent="0">
+                <a:lnSpc>
+                  <a:spcPts val="1138"/>
+                </a:lnSpc>
+                <a:spcBef>
+                  <a:spcPts val="0"/>
+                </a:spcBef>
+                <a:spcAft>
+                  <a:spcPts val="0"/>
+                </a:spcAft>
+              </a:pPr>
+              <a:r>
+                <a:rPr sz="1138">
+                  <a:solidFill>
+                    <a:srgbClr val="000000">
+                      <a:alpha val="100000"/>
+                    </a:srgbClr>
+                  </a:solidFill>
+                  <a:latin typeface="Arial"/>
+                  <a:cs typeface="Arial"/>
+                </a:rPr>
+                <a:t>60%</a:t>
+              </a:r>
+            </a:p>
+          </p:txBody>
+        </p:sp>
+        <p:sp>
+          <p:nvSpPr>
+            <p:cNvPr id="16" name="tx16"/>
+            <p:cNvSpPr/>
+            <p:nvPr/>
+          </p:nvSpPr>
+          <p:spPr>
+            <a:xfrm>
+              <a:off x="3746156" y="4029238"/>
+              <a:ext cx="289291" cy="109040"/>
+            </a:xfrm>
+            <a:prstGeom prst="rect">
+              <a:avLst/>
+            </a:prstGeom>
+            <a:noFill/>
+          </p:spPr>
+          <p:txBody>
+            <a:bodyPr lIns="0" rIns="0" tIns="0" bIns="0" anchorCtr="1" anchor="ctr" wrap="none"/>
+            <a:lstStyle/>
+            <a:p>
+              <a:pPr algn="l" marL="0" marR="0" indent="0">
+                <a:lnSpc>
+                  <a:spcPts val="1138"/>
+                </a:lnSpc>
+                <a:spcBef>
+                  <a:spcPts val="0"/>
+                </a:spcBef>
+                <a:spcAft>
+                  <a:spcPts val="0"/>
+                </a:spcAft>
+              </a:pPr>
+              <a:r>
+                <a:rPr sz="1138">
+                  <a:solidFill>
+                    <a:srgbClr val="000000">
+                      <a:alpha val="100000"/>
+                    </a:srgbClr>
+                  </a:solidFill>
+                  <a:latin typeface="Arial"/>
+                  <a:cs typeface="Arial"/>
+                </a:rPr>
+                <a:t>25%</a:t>
+              </a:r>
+            </a:p>
+          </p:txBody>
+        </p:sp>
+        <p:sp>
+          <p:nvSpPr>
+            <p:cNvPr id="17" name="tx17"/>
+            <p:cNvSpPr/>
+            <p:nvPr/>
+          </p:nvSpPr>
+          <p:spPr>
+            <a:xfrm>
+              <a:off x="3766270" y="4488794"/>
+              <a:ext cx="249063" cy="109040"/>
+            </a:xfrm>
+            <a:prstGeom prst="rect">
+              <a:avLst/>
+            </a:prstGeom>
+            <a:noFill/>
+          </p:spPr>
+          <p:txBody>
+            <a:bodyPr lIns="0" rIns="0" tIns="0" bIns="0" anchorCtr="1" anchor="ctr" wrap="none"/>
+            <a:lstStyle/>
+            <a:p>
+              <a:pPr algn="l" marL="0" marR="0" indent="0">
+                <a:lnSpc>
+                  <a:spcPts val="1138"/>
+                </a:lnSpc>
+                <a:spcBef>
+                  <a:spcPts val="0"/>
+                </a:spcBef>
+                <a:spcAft>
+                  <a:spcPts val="0"/>
+                </a:spcAft>
+              </a:pPr>
+              <a:r>
+                <a:rPr sz="1138">
+                  <a:solidFill>
+                    <a:srgbClr val="000000">
+                      <a:alpha val="100000"/>
+                    </a:srgbClr>
+                  </a:solidFill>
+                  <a:latin typeface="Arial"/>
+                  <a:cs typeface="Arial"/>
+                </a:rPr>
+                <a:t> 8%</a:t>
+              </a:r>
+            </a:p>
+          </p:txBody>
+        </p:sp>
+        <p:sp>
+          <p:nvSpPr>
+            <p:cNvPr id="18" name="tx18"/>
+            <p:cNvSpPr/>
+            <p:nvPr/>
+          </p:nvSpPr>
+          <p:spPr>
+            <a:xfrm>
+              <a:off x="3766270" y="4680276"/>
+              <a:ext cx="249063" cy="109040"/>
+            </a:xfrm>
+            <a:prstGeom prst="rect">
+              <a:avLst/>
+            </a:prstGeom>
+            <a:noFill/>
+          </p:spPr>
+          <p:txBody>
+            <a:bodyPr lIns="0" rIns="0" tIns="0" bIns="0" anchorCtr="1" anchor="ctr" wrap="none"/>
+            <a:lstStyle/>
+            <a:p>
+              <a:pPr algn="l" marL="0" marR="0" indent="0">
+                <a:lnSpc>
+                  <a:spcPts val="1138"/>
+                </a:lnSpc>
+                <a:spcBef>
+                  <a:spcPts val="0"/>
+                </a:spcBef>
+                <a:spcAft>
+                  <a:spcPts val="0"/>
+                </a:spcAft>
+              </a:pPr>
+              <a:r>
+                <a:rPr sz="1138">
+                  <a:solidFill>
+                    <a:srgbClr val="000000">
+                      <a:alpha val="100000"/>
+                    </a:srgbClr>
+                  </a:solidFill>
+                  <a:latin typeface="Arial"/>
+                  <a:cs typeface="Arial"/>
+                </a:rPr>
+                <a:t> 6%</a:t>
+              </a:r>
+            </a:p>
+          </p:txBody>
+        </p:sp>
+        <p:sp>
+          <p:nvSpPr>
+            <p:cNvPr id="19" name="tx19"/>
+            <p:cNvSpPr/>
+            <p:nvPr/>
+          </p:nvSpPr>
+          <p:spPr>
+            <a:xfrm>
+              <a:off x="3766270" y="4766442"/>
+              <a:ext cx="249063" cy="109040"/>
+            </a:xfrm>
+            <a:prstGeom prst="rect">
+              <a:avLst/>
+            </a:prstGeom>
+            <a:noFill/>
+          </p:spPr>
+          <p:txBody>
+            <a:bodyPr lIns="0" rIns="0" tIns="0" bIns="0" anchorCtr="1" anchor="ctr" wrap="none"/>
+            <a:lstStyle/>
+            <a:p>
+              <a:pPr algn="l" marL="0" marR="0" indent="0">
+                <a:lnSpc>
+                  <a:spcPts val="1138"/>
+                </a:lnSpc>
+                <a:spcBef>
+                  <a:spcPts val="0"/>
+                </a:spcBef>
+                <a:spcAft>
+                  <a:spcPts val="0"/>
+                </a:spcAft>
+              </a:pPr>
+              <a:r>
+                <a:rPr sz="1138">
+                  <a:solidFill>
+                    <a:srgbClr val="000000">
+                      <a:alpha val="100000"/>
+                    </a:srgbClr>
+                  </a:solidFill>
+                  <a:latin typeface="Arial"/>
+                  <a:cs typeface="Arial"/>
+                </a:rPr>
+                <a:t> 1%</a:t>
+              </a:r>
+            </a:p>
+          </p:txBody>
+        </p:sp>
+        <p:sp>
+          <p:nvSpPr>
+            <p:cNvPr id="20" name="pl20"/>
+            <p:cNvSpPr/>
+            <p:nvPr/>
+          </p:nvSpPr>
+          <p:spPr>
+            <a:xfrm>
+              <a:off x="1091256" y="1938121"/>
               <a:ext cx="0" cy="3033069"/>
             </a:xfrm>
             <a:custGeom>
@@ -2599,14 +2881,14 @@
         </p:sp>
         <p:sp>
           <p:nvSpPr>
-            <p:cNvPr id="15" name="tx15"/>
-            <p:cNvSpPr/>
-            <p:nvPr/>
-          </p:nvSpPr>
-          <p:spPr>
-            <a:xfrm>
-              <a:off x="924257" y="4772900"/>
-              <a:ext cx="220265" cy="114969"/>
+            <p:cNvPr id="21" name="tx21"/>
+            <p:cNvSpPr/>
+            <p:nvPr/>
+          </p:nvSpPr>
+          <p:spPr>
+            <a:xfrm>
+              <a:off x="924257" y="4776472"/>
+              <a:ext cx="84757" cy="111397"/>
             </a:xfrm>
             <a:prstGeom prst="rect">
               <a:avLst/>
@@ -2638,21 +2920,21 @@
                   <a:latin typeface="Arial"/>
                   <a:cs typeface="Arial"/>
                 </a:rPr>
-                <a:t>0%</a:t>
+                <a:t>0</a:t>
               </a:r>
             </a:p>
           </p:txBody>
         </p:sp>
         <p:sp>
           <p:nvSpPr>
-            <p:cNvPr id="16" name="tx16"/>
-            <p:cNvSpPr/>
-            <p:nvPr/>
-          </p:nvSpPr>
-          <p:spPr>
-            <a:xfrm>
-              <a:off x="839500" y="4221433"/>
-              <a:ext cx="305023" cy="114969"/>
+            <p:cNvPr id="22" name="tx22"/>
+            <p:cNvSpPr/>
+            <p:nvPr/>
+          </p:nvSpPr>
+          <p:spPr>
+            <a:xfrm>
+              <a:off x="839500" y="3819063"/>
+              <a:ext cx="169515" cy="111397"/>
             </a:xfrm>
             <a:prstGeom prst="rect">
               <a:avLst/>
@@ -2684,21 +2966,21 @@
                   <a:latin typeface="Arial"/>
                   <a:cs typeface="Arial"/>
                 </a:rPr>
-                <a:t>20%</a:t>
+                <a:t>50</a:t>
               </a:r>
             </a:p>
           </p:txBody>
         </p:sp>
         <p:sp>
           <p:nvSpPr>
-            <p:cNvPr id="17" name="tx17"/>
-            <p:cNvSpPr/>
-            <p:nvPr/>
-          </p:nvSpPr>
-          <p:spPr>
-            <a:xfrm>
-              <a:off x="839500" y="3669966"/>
-              <a:ext cx="305023" cy="114969"/>
+            <p:cNvPr id="23" name="tx23"/>
+            <p:cNvSpPr/>
+            <p:nvPr/>
+          </p:nvSpPr>
+          <p:spPr>
+            <a:xfrm>
+              <a:off x="754742" y="2861655"/>
+              <a:ext cx="254272" cy="111397"/>
             </a:xfrm>
             <a:prstGeom prst="rect">
               <a:avLst/>
@@ -2730,21 +3012,21 @@
                   <a:latin typeface="Arial"/>
                   <a:cs typeface="Arial"/>
                 </a:rPr>
-                <a:t>40%</a:t>
+                <a:t>100</a:t>
               </a:r>
             </a:p>
           </p:txBody>
         </p:sp>
         <p:sp>
           <p:nvSpPr>
-            <p:cNvPr id="18" name="tx18"/>
-            <p:cNvSpPr/>
-            <p:nvPr/>
-          </p:nvSpPr>
-          <p:spPr>
-            <a:xfrm>
-              <a:off x="839500" y="3118498"/>
-              <a:ext cx="305023" cy="114969"/>
+            <p:cNvPr id="24" name="tx24"/>
+            <p:cNvSpPr/>
+            <p:nvPr/>
+          </p:nvSpPr>
+          <p:spPr>
+            <a:xfrm>
+              <a:off x="754742" y="1904247"/>
+              <a:ext cx="254272" cy="111397"/>
             </a:xfrm>
             <a:prstGeom prst="rect">
               <a:avLst/>
@@ -2776,112 +3058,20 @@
                   <a:latin typeface="Arial"/>
                   <a:cs typeface="Arial"/>
                 </a:rPr>
-                <a:t>60%</a:t>
+                <a:t>150</a:t>
               </a:r>
             </a:p>
           </p:txBody>
         </p:sp>
         <p:sp>
           <p:nvSpPr>
-            <p:cNvPr id="19" name="tx19"/>
-            <p:cNvSpPr/>
-            <p:nvPr/>
-          </p:nvSpPr>
-          <p:spPr>
-            <a:xfrm>
-              <a:off x="839500" y="2567031"/>
-              <a:ext cx="305023" cy="114969"/>
-            </a:xfrm>
-            <a:prstGeom prst="rect">
-              <a:avLst/>
-            </a:prstGeom>
-            <a:noFill/>
-          </p:spPr>
-          <p:txBody>
-            <a:bodyPr lIns="0" rIns="0" tIns="0" bIns="0" anchorCtr="1" anchor="ctr" wrap="none"/>
-            <a:lstStyle/>
-            <a:p>
-              <a:pPr algn="l" marL="0" marR="0" indent="0">
-                <a:lnSpc>
-                  <a:spcPts val="1200"/>
-                </a:lnSpc>
-                <a:spcBef>
-                  <a:spcPts val="0"/>
-                </a:spcBef>
-                <a:spcAft>
-                  <a:spcPts val="0"/>
-                </a:spcAft>
-              </a:pPr>
-              <a:r>
-                <a:rPr sz="1200">
-                  <a:solidFill>
-                    <a:srgbClr val="000000">
-                      <a:alpha val="100000"/>
-                    </a:srgbClr>
-                  </a:solidFill>
-                  <a:latin typeface="Arial"/>
-                  <a:cs typeface="Arial"/>
-                </a:rPr>
-                <a:t>80%</a:t>
-              </a:r>
-            </a:p>
-          </p:txBody>
-        </p:sp>
-        <p:sp>
-          <p:nvSpPr>
-            <p:cNvPr id="20" name="tx20"/>
-            <p:cNvSpPr/>
-            <p:nvPr/>
-          </p:nvSpPr>
-          <p:spPr>
-            <a:xfrm>
-              <a:off x="754742" y="2015564"/>
-              <a:ext cx="389780" cy="114969"/>
-            </a:xfrm>
-            <a:prstGeom prst="rect">
-              <a:avLst/>
-            </a:prstGeom>
-            <a:noFill/>
-          </p:spPr>
-          <p:txBody>
-            <a:bodyPr lIns="0" rIns="0" tIns="0" bIns="0" anchorCtr="1" anchor="ctr" wrap="none"/>
-            <a:lstStyle/>
-            <a:p>
-              <a:pPr algn="l" marL="0" marR="0" indent="0">
-                <a:lnSpc>
-                  <a:spcPts val="1200"/>
-                </a:lnSpc>
-                <a:spcBef>
-                  <a:spcPts val="0"/>
-                </a:spcBef>
-                <a:spcAft>
-                  <a:spcPts val="0"/>
-                </a:spcAft>
-              </a:pPr>
-              <a:r>
-                <a:rPr sz="1200">
-                  <a:solidFill>
-                    <a:srgbClr val="000000">
-                      <a:alpha val="100000"/>
-                    </a:srgbClr>
-                  </a:solidFill>
-                  <a:latin typeface="Arial"/>
-                  <a:cs typeface="Arial"/>
-                </a:rPr>
-                <a:t>100%</a:t>
-              </a:r>
-            </a:p>
-          </p:txBody>
-        </p:sp>
-        <p:sp>
-          <p:nvSpPr>
-            <p:cNvPr id="21" name="pl21"/>
-            <p:cNvSpPr/>
-            <p:nvPr/>
-          </p:nvSpPr>
-          <p:spPr>
-            <a:xfrm>
-              <a:off x="1182481" y="4833324"/>
+            <p:cNvPr id="25" name="pl25"/>
+            <p:cNvSpPr/>
+            <p:nvPr/>
+          </p:nvSpPr>
+          <p:spPr>
+            <a:xfrm>
+              <a:off x="1046973" y="4833324"/>
               <a:ext cx="44283" cy="0"/>
             </a:xfrm>
             <a:custGeom>
@@ -2915,13 +3105,13 @@
         </p:sp>
         <p:sp>
           <p:nvSpPr>
-            <p:cNvPr id="22" name="pl22"/>
-            <p:cNvSpPr/>
-            <p:nvPr/>
-          </p:nvSpPr>
-          <p:spPr>
-            <a:xfrm>
-              <a:off x="1182481" y="4281857"/>
+            <p:cNvPr id="26" name="pl26"/>
+            <p:cNvSpPr/>
+            <p:nvPr/>
+          </p:nvSpPr>
+          <p:spPr>
+            <a:xfrm>
+              <a:off x="1046973" y="3875916"/>
               <a:ext cx="44283" cy="0"/>
             </a:xfrm>
             <a:custGeom>
@@ -2955,13 +3145,13 @@
         </p:sp>
         <p:sp>
           <p:nvSpPr>
-            <p:cNvPr id="23" name="pl23"/>
-            <p:cNvSpPr/>
-            <p:nvPr/>
-          </p:nvSpPr>
-          <p:spPr>
-            <a:xfrm>
-              <a:off x="1182481" y="3730390"/>
+            <p:cNvPr id="27" name="pl27"/>
+            <p:cNvSpPr/>
+            <p:nvPr/>
+          </p:nvSpPr>
+          <p:spPr>
+            <a:xfrm>
+              <a:off x="1046973" y="2918507"/>
               <a:ext cx="44283" cy="0"/>
             </a:xfrm>
             <a:custGeom>
@@ -2995,13 +3185,13 @@
         </p:sp>
         <p:sp>
           <p:nvSpPr>
-            <p:cNvPr id="24" name="pl24"/>
-            <p:cNvSpPr/>
-            <p:nvPr/>
-          </p:nvSpPr>
-          <p:spPr>
-            <a:xfrm>
-              <a:off x="1182481" y="3178923"/>
+            <p:cNvPr id="28" name="pl28"/>
+            <p:cNvSpPr/>
+            <p:nvPr/>
+          </p:nvSpPr>
+          <p:spPr>
+            <a:xfrm>
+              <a:off x="1046973" y="1961099"/>
               <a:ext cx="44283" cy="0"/>
             </a:xfrm>
             <a:custGeom>
@@ -3035,104 +3225,24 @@
         </p:sp>
         <p:sp>
           <p:nvSpPr>
-            <p:cNvPr id="25" name="pl25"/>
-            <p:cNvSpPr/>
-            <p:nvPr/>
-          </p:nvSpPr>
-          <p:spPr>
-            <a:xfrm>
-              <a:off x="1182481" y="2627455"/>
-              <a:ext cx="44283" cy="0"/>
+            <p:cNvPr id="29" name="pl29"/>
+            <p:cNvSpPr/>
+            <p:nvPr/>
+          </p:nvSpPr>
+          <p:spPr>
+            <a:xfrm>
+              <a:off x="1091256" y="4971191"/>
+              <a:ext cx="3849375" cy="0"/>
             </a:xfrm>
             <a:custGeom>
               <a:avLst/>
               <a:pathLst>
-                <a:path w="44283" h="0">
+                <a:path w="3849375" h="0">
                   <a:moveTo>
                     <a:pt x="0" y="0"/>
                   </a:moveTo>
                   <a:lnTo>
-                    <a:pt x="44283" y="0"/>
-                  </a:lnTo>
-                </a:path>
-              </a:pathLst>
-            </a:custGeom>
-            <a:ln w="13550" cap="flat">
-              <a:solidFill>
-                <a:srgbClr val="000000">
-                  <a:alpha val="100000"/>
-                </a:srgbClr>
-              </a:solidFill>
-              <a:prstDash val="solid"/>
-              <a:round/>
-            </a:ln>
-          </p:spPr>
-          <p:txBody>
-            <a:bodyPr/>
-            <a:lstStyle/>
-            <a:p/>
-          </p:txBody>
-        </p:sp>
-        <p:sp>
-          <p:nvSpPr>
-            <p:cNvPr id="26" name="pl26"/>
-            <p:cNvSpPr/>
-            <p:nvPr/>
-          </p:nvSpPr>
-          <p:spPr>
-            <a:xfrm>
-              <a:off x="1182481" y="2075988"/>
-              <a:ext cx="44283" cy="0"/>
-            </a:xfrm>
-            <a:custGeom>
-              <a:avLst/>
-              <a:pathLst>
-                <a:path w="44283" h="0">
-                  <a:moveTo>
-                    <a:pt x="0" y="0"/>
-                  </a:moveTo>
-                  <a:lnTo>
-                    <a:pt x="44283" y="0"/>
-                  </a:lnTo>
-                </a:path>
-              </a:pathLst>
-            </a:custGeom>
-            <a:ln w="13550" cap="flat">
-              <a:solidFill>
-                <a:srgbClr val="000000">
-                  <a:alpha val="100000"/>
-                </a:srgbClr>
-              </a:solidFill>
-              <a:prstDash val="solid"/>
-              <a:round/>
-            </a:ln>
-          </p:spPr>
-          <p:txBody>
-            <a:bodyPr/>
-            <a:lstStyle/>
-            <a:p/>
-          </p:txBody>
-        </p:sp>
-        <p:sp>
-          <p:nvSpPr>
-            <p:cNvPr id="27" name="pl27"/>
-            <p:cNvSpPr/>
-            <p:nvPr/>
-          </p:nvSpPr>
-          <p:spPr>
-            <a:xfrm>
-              <a:off x="1226764" y="4971191"/>
-              <a:ext cx="3713867" cy="0"/>
-            </a:xfrm>
-            <a:custGeom>
-              <a:avLst/>
-              <a:pathLst>
-                <a:path w="3713867" h="0">
-                  <a:moveTo>
-                    <a:pt x="0" y="0"/>
-                  </a:moveTo>
-                  <a:lnTo>
-                    <a:pt x="3713867" y="0"/>
+                    <a:pt x="3849375" y="0"/>
                   </a:lnTo>
                 </a:path>
               </a:pathLst>
@@ -3155,93 +3265,13 @@
         </p:sp>
         <p:sp>
           <p:nvSpPr>
-            <p:cNvPr id="28" name="pl28"/>
-            <p:cNvSpPr/>
-            <p:nvPr/>
-          </p:nvSpPr>
-          <p:spPr>
-            <a:xfrm>
-              <a:off x="2239637" y="4971191"/>
-              <a:ext cx="0" cy="44283"/>
-            </a:xfrm>
-            <a:custGeom>
-              <a:avLst/>
-              <a:pathLst>
-                <a:path w="0" h="44283">
-                  <a:moveTo>
-                    <a:pt x="0" y="44283"/>
-                  </a:moveTo>
-                  <a:lnTo>
-                    <a:pt x="0" y="0"/>
-                  </a:lnTo>
-                </a:path>
-              </a:pathLst>
-            </a:custGeom>
-            <a:ln w="13550" cap="flat">
-              <a:solidFill>
-                <a:srgbClr val="000000">
-                  <a:alpha val="100000"/>
-                </a:srgbClr>
-              </a:solidFill>
-              <a:prstDash val="solid"/>
-              <a:round/>
-            </a:ln>
-          </p:spPr>
-          <p:txBody>
-            <a:bodyPr/>
-            <a:lstStyle/>
-            <a:p/>
-          </p:txBody>
-        </p:sp>
-        <p:sp>
-          <p:nvSpPr>
-            <p:cNvPr id="29" name="pl29"/>
-            <p:cNvSpPr/>
-            <p:nvPr/>
-          </p:nvSpPr>
-          <p:spPr>
-            <a:xfrm>
-              <a:off x="3927759" y="4971191"/>
-              <a:ext cx="0" cy="44283"/>
-            </a:xfrm>
-            <a:custGeom>
-              <a:avLst/>
-              <a:pathLst>
-                <a:path w="0" h="44283">
-                  <a:moveTo>
-                    <a:pt x="0" y="44283"/>
-                  </a:moveTo>
-                  <a:lnTo>
-                    <a:pt x="0" y="0"/>
-                  </a:lnTo>
-                </a:path>
-              </a:pathLst>
-            </a:custGeom>
-            <a:ln w="13550" cap="flat">
-              <a:solidFill>
-                <a:srgbClr val="000000">
-                  <a:alpha val="100000"/>
-                </a:srgbClr>
-              </a:solidFill>
-              <a:prstDash val="solid"/>
-              <a:round/>
-            </a:ln>
-          </p:spPr>
-          <p:txBody>
-            <a:bodyPr/>
-            <a:lstStyle/>
-            <a:p/>
-          </p:txBody>
-        </p:sp>
-        <p:sp>
-          <p:nvSpPr>
             <p:cNvPr id="30" name="tx30"/>
             <p:cNvSpPr/>
             <p:nvPr/>
           </p:nvSpPr>
           <p:spPr>
             <a:xfrm>
-              <a:off x="1210565" y="5019500"/>
+              <a:off x="1112014" y="5019500"/>
               <a:ext cx="2058144" cy="143023"/>
             </a:xfrm>
             <a:prstGeom prst="rect">
@@ -3287,7 +3317,7 @@
           </p:nvSpPr>
           <p:spPr>
             <a:xfrm>
-              <a:off x="3715976" y="5021360"/>
+              <a:off x="3679020" y="5021360"/>
               <a:ext cx="423564" cy="141163"/>
             </a:xfrm>
             <a:prstGeom prst="rect">
@@ -3333,8 +3363,8 @@
           </p:nvSpPr>
           <p:spPr>
             <a:xfrm rot="-5400000">
-              <a:off x="-254418" y="3372267"/>
-              <a:ext cx="1690141" cy="164777"/>
+              <a:off x="-160440" y="3372267"/>
+              <a:ext cx="1502184" cy="164777"/>
             </a:xfrm>
             <a:prstGeom prst="rect">
               <a:avLst/>
@@ -3366,7 +3396,7 @@
                   <a:latin typeface="Arial"/>
                   <a:cs typeface="Arial"/>
                 </a:rPr>
-                <a:t>Proportion of patients</a:t>
+                <a:t>Number of patients</a:t>
               </a:r>
             </a:p>
           </p:txBody>
@@ -3379,7 +3409,7 @@
           </p:nvSpPr>
           <p:spPr>
             <a:xfrm>
-              <a:off x="1226764" y="5561998"/>
+              <a:off x="1091256" y="5561998"/>
               <a:ext cx="1017748" cy="164690"/>
             </a:xfrm>
             <a:prstGeom prst="rect">
@@ -3425,7 +3455,7 @@
           </p:nvSpPr>
           <p:spPr>
             <a:xfrm>
-              <a:off x="1235764" y="5842965"/>
+              <a:off x="1100256" y="5842965"/>
               <a:ext cx="176849" cy="176849"/>
             </a:xfrm>
             <a:prstGeom prst="rect">
@@ -3451,7 +3481,7 @@
           </p:nvSpPr>
           <p:spPr>
             <a:xfrm>
-              <a:off x="1235764" y="6126382"/>
+              <a:off x="1100256" y="6126382"/>
               <a:ext cx="176849" cy="176849"/>
             </a:xfrm>
             <a:prstGeom prst="rect">
@@ -3477,7 +3507,7 @@
           </p:nvSpPr>
           <p:spPr>
             <a:xfrm>
-              <a:off x="1988973" y="5842965"/>
+              <a:off x="1853465" y="5842965"/>
               <a:ext cx="176849" cy="176849"/>
             </a:xfrm>
             <a:prstGeom prst="rect">
@@ -3503,7 +3533,7 @@
           </p:nvSpPr>
           <p:spPr>
             <a:xfrm>
-              <a:off x="1988973" y="6126382"/>
+              <a:off x="1853465" y="6126382"/>
               <a:ext cx="176849" cy="176849"/>
             </a:xfrm>
             <a:prstGeom prst="rect">
@@ -3529,7 +3559,7 @@
           </p:nvSpPr>
           <p:spPr>
             <a:xfrm>
-              <a:off x="3004788" y="5842965"/>
+              <a:off x="2869280" y="5842965"/>
               <a:ext cx="176849" cy="176849"/>
             </a:xfrm>
             <a:prstGeom prst="rect">
@@ -3555,7 +3585,7 @@
           </p:nvSpPr>
           <p:spPr>
             <a:xfrm>
-              <a:off x="1510182" y="5875058"/>
+              <a:off x="1374674" y="5875058"/>
               <a:ext cx="364331" cy="110876"/>
             </a:xfrm>
             <a:prstGeom prst="rect">
@@ -3601,7 +3631,7 @@
           </p:nvSpPr>
           <p:spPr>
             <a:xfrm>
-              <a:off x="1510182" y="6126329"/>
+              <a:off x="1374674" y="6126329"/>
               <a:ext cx="381223" cy="143023"/>
             </a:xfrm>
             <a:prstGeom prst="rect">
@@ -3647,7 +3677,7 @@
           </p:nvSpPr>
           <p:spPr>
             <a:xfrm>
-              <a:off x="2263390" y="5875058"/>
+              <a:off x="2127882" y="5875058"/>
               <a:ext cx="643830" cy="110876"/>
             </a:xfrm>
             <a:prstGeom prst="rect">
@@ -3693,7 +3723,7 @@
           </p:nvSpPr>
           <p:spPr>
             <a:xfrm>
-              <a:off x="2263390" y="6156541"/>
+              <a:off x="2127882" y="6156541"/>
               <a:ext cx="482872" cy="112811"/>
             </a:xfrm>
             <a:prstGeom prst="rect">
@@ -3739,7 +3769,7 @@
           </p:nvSpPr>
           <p:spPr>
             <a:xfrm>
-              <a:off x="3279205" y="5875058"/>
+              <a:off x="3143697" y="5875058"/>
               <a:ext cx="567407" cy="110876"/>
             </a:xfrm>
             <a:prstGeom prst="rect">
@@ -3785,7 +3815,7 @@
           </p:nvSpPr>
           <p:spPr>
             <a:xfrm>
-              <a:off x="1226764" y="957724"/>
+              <a:off x="1091256" y="957724"/>
               <a:ext cx="2902049" cy="190698"/>
             </a:xfrm>
             <a:prstGeom prst="rect">
@@ -3831,7 +3861,7 @@
           </p:nvSpPr>
           <p:spPr>
             <a:xfrm>
-              <a:off x="1226764" y="1177180"/>
+              <a:off x="1091256" y="1177180"/>
               <a:ext cx="3070522" cy="190698"/>
             </a:xfrm>
             <a:prstGeom prst="rect">
@@ -3877,7 +3907,7 @@
           </p:nvSpPr>
           <p:spPr>
             <a:xfrm>
-              <a:off x="1226764" y="1424814"/>
+              <a:off x="1091256" y="1424814"/>
               <a:ext cx="2890242" cy="162520"/>
             </a:xfrm>
             <a:prstGeom prst="rect">
@@ -3923,7 +3953,7 @@
           </p:nvSpPr>
           <p:spPr>
             <a:xfrm>
-              <a:off x="1226764" y="1616092"/>
+              <a:off x="1091256" y="1616092"/>
               <a:ext cx="2828627" cy="190698"/>
             </a:xfrm>
             <a:prstGeom prst="rect">
